--- a/Narendrta_Project_AICTE_PPT.pptx
+++ b/Narendrta_Project_AICTE_PPT.pptx
@@ -5,7 +5,7 @@
     <p:sldMasterId id="2147483712" r:id="rId4"/>
   </p:sldMasterIdLst>
   <p:notesMasterIdLst>
-    <p:notesMasterId r:id="rId16"/>
+    <p:notesMasterId r:id="rId18"/>
   </p:notesMasterIdLst>
   <p:sldIdLst>
     <p:sldId id="256" r:id="rId5"/>
@@ -15,10 +15,12 @@
     <p:sldId id="265" r:id="rId9"/>
     <p:sldId id="2146847057" r:id="rId10"/>
     <p:sldId id="2146847060" r:id="rId11"/>
-    <p:sldId id="2146847062" r:id="rId12"/>
-    <p:sldId id="2146847061" r:id="rId13"/>
-    <p:sldId id="2146847055" r:id="rId14"/>
-    <p:sldId id="259" r:id="rId15"/>
+    <p:sldId id="2146847063" r:id="rId12"/>
+    <p:sldId id="2146847064" r:id="rId13"/>
+    <p:sldId id="2146847062" r:id="rId14"/>
+    <p:sldId id="2146847061" r:id="rId15"/>
+    <p:sldId id="2146847055" r:id="rId16"/>
+    <p:sldId id="259" r:id="rId17"/>
   </p:sldIdLst>
   <p:sldSz cx="12192000" cy="6858000"/>
   <p:notesSz cx="6858000" cy="9144000"/>
@@ -218,7 +220,7 @@
           <a:p>
             <a:fld id="{46256A78-79A6-408F-8148-4F87BB81602D}" type="datetimeFigureOut">
               <a:rPr lang="en-IN" smtClean="0"/>
-              <a:t>23-02-2025</a:t>
+              <a:t>24-02-2025</a:t>
             </a:fld>
             <a:endParaRPr lang="en-IN"/>
           </a:p>
@@ -722,7 +724,7 @@
           <a:p>
             <a:fld id="{ED291B17-9318-49DB-B28B-6E5994AE9581}" type="datetime1">
               <a:rPr lang="en-US" smtClean="0"/>
-              <a:t>2/23/2025</a:t>
+              <a:t>2/24/2025</a:t>
             </a:fld>
             <a:endParaRPr lang="en-US"/>
           </a:p>
@@ -931,7 +933,7 @@
           <a:p>
             <a:fld id="{2CED4963-E985-44C4-B8C4-FDD613B7C2F8}" type="datetime1">
               <a:rPr lang="en-US" smtClean="0"/>
-              <a:t>2/23/2025</a:t>
+              <a:t>2/24/2025</a:t>
             </a:fld>
             <a:endParaRPr lang="en-US"/>
           </a:p>
@@ -1299,7 +1301,7 @@
           <a:p>
             <a:fld id="{ED291B17-9318-49DB-B28B-6E5994AE9581}" type="datetime1">
               <a:rPr lang="en-US" smtClean="0"/>
-              <a:t>2/23/2025</a:t>
+              <a:t>2/24/2025</a:t>
             </a:fld>
             <a:endParaRPr lang="en-US"/>
           </a:p>
@@ -1503,7 +1505,7 @@
           <a:p>
             <a:fld id="{78DD82B9-B8EE-4375-B6FF-88FA6ABB15D9}" type="datetime1">
               <a:rPr lang="en-US" smtClean="0"/>
-              <a:t>2/23/2025</a:t>
+              <a:t>2/24/2025</a:t>
             </a:fld>
             <a:endParaRPr lang="en-US"/>
           </a:p>
@@ -1760,7 +1762,7 @@
           <a:p>
             <a:fld id="{B2497495-0637-405E-AE64-5CC7506D51F5}" type="datetime1">
               <a:rPr lang="en-US" smtClean="0"/>
-              <a:t>2/23/2025</a:t>
+              <a:t>2/24/2025</a:t>
             </a:fld>
             <a:endParaRPr lang="en-US"/>
           </a:p>
@@ -2018,7 +2020,7 @@
           <a:p>
             <a:fld id="{7BFFD690-9426-415D-8B65-26881E07B2D4}" type="datetime1">
               <a:rPr lang="en-US" smtClean="0"/>
-              <a:t>2/23/2025</a:t>
+              <a:t>2/24/2025</a:t>
             </a:fld>
             <a:endParaRPr lang="en-US"/>
           </a:p>
@@ -2445,7 +2447,7 @@
           <a:p>
             <a:fld id="{04C4989A-474C-40DE-95B9-011C28B71673}" type="datetime1">
               <a:rPr lang="en-US" smtClean="0"/>
-              <a:t>2/23/2025</a:t>
+              <a:t>2/24/2025</a:t>
             </a:fld>
             <a:endParaRPr lang="en-US"/>
           </a:p>
@@ -2575,7 +2577,7 @@
           <a:p>
             <a:fld id="{5DB4ED54-5B5E-4A04-93D3-5772E3CE3818}" type="datetime1">
               <a:rPr lang="en-US" smtClean="0"/>
-              <a:t>2/23/2025</a:t>
+              <a:t>2/24/2025</a:t>
             </a:fld>
             <a:endParaRPr lang="en-US"/>
           </a:p>
@@ -2678,7 +2680,7 @@
           <a:p>
             <a:fld id="{4EDE50D6-574B-40AF-946F-D52A04ADE379}" type="datetime1">
               <a:rPr lang="en-US" smtClean="0"/>
-              <a:t>2/23/2025</a:t>
+              <a:t>2/24/2025</a:t>
             </a:fld>
             <a:endParaRPr lang="en-US"/>
           </a:p>
@@ -3061,7 +3063,7 @@
           <a:p>
             <a:fld id="{D82884F1-FFEA-405F-9602-3DCA865EDA4E}" type="datetime1">
               <a:rPr lang="en-US" smtClean="0"/>
-              <a:t>2/23/2025</a:t>
+              <a:t>2/24/2025</a:t>
             </a:fld>
             <a:endParaRPr lang="en-US"/>
           </a:p>
@@ -3355,7 +3357,7 @@
           <a:p>
             <a:fld id="{7E18DB4A-8810-4A10-AD5C-D5E2C667F5B3}" type="datetime1">
               <a:rPr lang="en-US" smtClean="0"/>
-              <a:t>2/23/2025</a:t>
+              <a:t>2/24/2025</a:t>
             </a:fld>
             <a:endParaRPr lang="en-US"/>
           </a:p>
@@ -3576,7 +3578,7 @@
           <a:p>
             <a:fld id="{ED291B17-9318-49DB-B28B-6E5994AE9581}" type="datetime1">
               <a:rPr lang="en-US" smtClean="0"/>
-              <a:t>2/23/2025</a:t>
+              <a:t>2/24/2025</a:t>
             </a:fld>
             <a:endParaRPr lang="en-US"/>
           </a:p>
@@ -4428,6 +4430,196 @@
       </p:grpSpPr>
       <p:sp>
         <p:nvSpPr>
+          <p:cNvPr id="2" name="Title 1">
+            <a:extLst>
+              <a:ext uri="{FF2B5EF4-FFF2-40B4-BE49-F238E27FC236}">
+                <a16:creationId xmlns:a16="http://schemas.microsoft.com/office/drawing/2014/main" id="{FA4C6B3D-1072-C2D2-EBFE-E33CABE394D1}"/>
+              </a:ext>
+            </a:extLst>
+          </p:cNvPr>
+          <p:cNvSpPr>
+            <a:spLocks noGrp="1"/>
+          </p:cNvSpPr>
+          <p:nvPr>
+            <p:ph type="title"/>
+          </p:nvPr>
+        </p:nvSpPr>
+        <p:spPr/>
+        <p:txBody>
+          <a:bodyPr/>
+          <a:lstStyle/>
+          <a:p>
+            <a:r>
+              <a:rPr lang="en-IN" dirty="0">
+                <a:solidFill>
+                  <a:schemeClr val="accent1"/>
+                </a:solidFill>
+              </a:rPr>
+              <a:t>Conclusion</a:t>
+            </a:r>
+          </a:p>
+        </p:txBody>
+      </p:sp>
+      <p:sp>
+        <p:nvSpPr>
+          <p:cNvPr id="3" name="Content Placeholder 2">
+            <a:extLst>
+              <a:ext uri="{FF2B5EF4-FFF2-40B4-BE49-F238E27FC236}">
+                <a16:creationId xmlns:a16="http://schemas.microsoft.com/office/drawing/2014/main" id="{D4974547-DF1B-77BB-E545-9344EDB9AD3F}"/>
+              </a:ext>
+            </a:extLst>
+          </p:cNvPr>
+          <p:cNvSpPr>
+            <a:spLocks noGrp="1"/>
+          </p:cNvSpPr>
+          <p:nvPr>
+            <p:ph idx="1"/>
+          </p:nvPr>
+        </p:nvSpPr>
+        <p:spPr>
+          <a:xfrm>
+            <a:off x="581192" y="1302026"/>
+            <a:ext cx="11029615" cy="4853818"/>
+          </a:xfrm>
+        </p:spPr>
+        <p:txBody>
+          <a:bodyPr>
+            <a:normAutofit/>
+          </a:bodyPr>
+          <a:lstStyle/>
+          <a:p>
+            <a:pPr algn="just"/>
+            <a:r>
+              <a:rPr lang="en-US" sz="3200" dirty="0"/>
+              <a:t>This project demonstrates the power of steganography in securing sensitive data by concealing messages within images. By adopting this technique, cybersecurity can be significantly improved, ensuring that only authorized individuals can retrieve the hidden information. The system is lightweight, efficient, and serves as a powerful tool for confidential communication.</a:t>
+            </a:r>
+          </a:p>
+        </p:txBody>
+      </p:sp>
+    </p:spTree>
+    <p:extLst>
+      <p:ext uri="{BB962C8B-B14F-4D97-AF65-F5344CB8AC3E}">
+        <p14:creationId xmlns:p14="http://schemas.microsoft.com/office/powerpoint/2010/main" val="4233882376"/>
+      </p:ext>
+    </p:extLst>
+  </p:cSld>
+  <p:clrMapOvr>
+    <a:masterClrMapping/>
+  </p:clrMapOvr>
+</p:sld>
+</file>
+
+<file path=ppt/slides/slide11.xml><?xml version="1.0" encoding="utf-8"?>
+<p:sld xmlns:a="http://schemas.openxmlformats.org/drawingml/2006/main" xmlns:r="http://schemas.openxmlformats.org/officeDocument/2006/relationships" xmlns:p="http://schemas.openxmlformats.org/presentationml/2006/main">
+  <p:cSld>
+    <p:spTree>
+      <p:nvGrpSpPr>
+        <p:cNvPr id="1" name=""/>
+        <p:cNvGrpSpPr/>
+        <p:nvPr/>
+      </p:nvGrpSpPr>
+      <p:grpSpPr>
+        <a:xfrm>
+          <a:off x="0" y="0"/>
+          <a:ext cx="0" cy="0"/>
+          <a:chOff x="0" y="0"/>
+          <a:chExt cx="0" cy="0"/>
+        </a:xfrm>
+      </p:grpSpPr>
+      <p:sp>
+        <p:nvSpPr>
+          <p:cNvPr id="2" name="Title 1">
+            <a:extLst>
+              <a:ext uri="{FF2B5EF4-FFF2-40B4-BE49-F238E27FC236}">
+                <a16:creationId xmlns:a16="http://schemas.microsoft.com/office/drawing/2014/main" id="{48E9F08C-D61F-627D-C4E5-397E3E84FC45}"/>
+              </a:ext>
+            </a:extLst>
+          </p:cNvPr>
+          <p:cNvSpPr>
+            <a:spLocks noGrp="1"/>
+          </p:cNvSpPr>
+          <p:nvPr>
+            <p:ph type="title"/>
+          </p:nvPr>
+        </p:nvSpPr>
+        <p:spPr/>
+        <p:txBody>
+          <a:bodyPr/>
+          <a:lstStyle/>
+          <a:p>
+            <a:r>
+              <a:rPr lang="en-IN" dirty="0">
+                <a:solidFill>
+                  <a:schemeClr val="accent1"/>
+                </a:solidFill>
+              </a:rPr>
+              <a:t>GitHub Link</a:t>
+            </a:r>
+          </a:p>
+        </p:txBody>
+      </p:sp>
+      <p:sp>
+        <p:nvSpPr>
+          <p:cNvPr id="3" name="Content Placeholder 2">
+            <a:extLst>
+              <a:ext uri="{FF2B5EF4-FFF2-40B4-BE49-F238E27FC236}">
+                <a16:creationId xmlns:a16="http://schemas.microsoft.com/office/drawing/2014/main" id="{51A299DD-46FA-7866-41D8-C1BFCC2F69DD}"/>
+              </a:ext>
+            </a:extLst>
+          </p:cNvPr>
+          <p:cNvSpPr>
+            <a:spLocks noGrp="1"/>
+          </p:cNvSpPr>
+          <p:nvPr>
+            <p:ph idx="1"/>
+          </p:nvPr>
+        </p:nvSpPr>
+        <p:spPr/>
+        <p:txBody>
+          <a:bodyPr>
+            <a:normAutofit/>
+          </a:bodyPr>
+          <a:lstStyle/>
+          <a:p>
+            <a:r>
+              <a:rPr lang="en-IN" sz="3200" dirty="0"/>
+              <a:t>https://github.com/NarendraShende/Stegno_Project.git</a:t>
+            </a:r>
+          </a:p>
+        </p:txBody>
+      </p:sp>
+    </p:spTree>
+    <p:extLst>
+      <p:ext uri="{BB962C8B-B14F-4D97-AF65-F5344CB8AC3E}">
+        <p14:creationId xmlns:p14="http://schemas.microsoft.com/office/powerpoint/2010/main" val="2230664768"/>
+      </p:ext>
+    </p:extLst>
+  </p:cSld>
+  <p:clrMapOvr>
+    <a:masterClrMapping/>
+  </p:clrMapOvr>
+</p:sld>
+</file>
+
+<file path=ppt/slides/slide12.xml><?xml version="1.0" encoding="utf-8"?>
+<p:sld xmlns:a="http://schemas.openxmlformats.org/drawingml/2006/main" xmlns:r="http://schemas.openxmlformats.org/officeDocument/2006/relationships" xmlns:p="http://schemas.openxmlformats.org/presentationml/2006/main">
+  <p:cSld>
+    <p:spTree>
+      <p:nvGrpSpPr>
+        <p:cNvPr id="1" name=""/>
+        <p:cNvGrpSpPr/>
+        <p:nvPr/>
+      </p:nvGrpSpPr>
+      <p:grpSpPr>
+        <a:xfrm>
+          <a:off x="0" y="0"/>
+          <a:ext cx="0" cy="0"/>
+          <a:chOff x="0" y="0"/>
+          <a:chExt cx="0" cy="0"/>
+        </a:xfrm>
+      </p:grpSpPr>
+      <p:sp>
+        <p:nvSpPr>
           <p:cNvPr id="5" name="Title 4">
             <a:extLst>
               <a:ext uri="{FF2B5EF4-FFF2-40B4-BE49-F238E27FC236}">
@@ -4643,7 +4835,7 @@
 </p:sld>
 </file>
 
-<file path=ppt/slides/slide11.xml><?xml version="1.0" encoding="utf-8"?>
+<file path=ppt/slides/slide13.xml><?xml version="1.0" encoding="utf-8"?>
 <p:sld xmlns:a="http://schemas.openxmlformats.org/drawingml/2006/main" xmlns:r="http://schemas.openxmlformats.org/officeDocument/2006/relationships" xmlns:p="http://schemas.openxmlformats.org/presentationml/2006/main">
   <p:cSld>
     <p:spTree>
@@ -5563,34 +5755,35 @@
           </a:p>
         </p:txBody>
       </p:sp>
-      <p:sp>
-        <p:nvSpPr>
-          <p:cNvPr id="3" name="Content Placeholder 2">
+      <p:pic>
+        <p:nvPicPr>
+          <p:cNvPr id="15" name="Content Placeholder 14">
             <a:extLst>
               <a:ext uri="{FF2B5EF4-FFF2-40B4-BE49-F238E27FC236}">
-                <a16:creationId xmlns:a16="http://schemas.microsoft.com/office/drawing/2014/main" id="{805D7125-AC62-752D-6E68-9EB88BCC631C}"/>
+                <a16:creationId xmlns:a16="http://schemas.microsoft.com/office/drawing/2014/main" id="{A3A85DD0-791A-4642-0251-019FB7BCA4B0}"/>
               </a:ext>
             </a:extLst>
           </p:cNvPr>
-          <p:cNvSpPr>
-            <a:spLocks noGrp="1"/>
-          </p:cNvSpPr>
+          <p:cNvPicPr>
+            <a:picLocks noGrp="1" noChangeAspect="1"/>
+          </p:cNvPicPr>
           <p:nvPr>
             <p:ph idx="1"/>
           </p:nvPr>
-        </p:nvSpPr>
-        <p:spPr/>
-        <p:txBody>
-          <a:bodyPr/>
-          <a:lstStyle/>
-          <a:p>
-            <a:r>
-              <a:rPr lang="en-IN" dirty="0"/>
-              <a:t>Screenshots of the outcome (min 3)</a:t>
-            </a:r>
-          </a:p>
-        </p:txBody>
-      </p:sp>
+        </p:nvPicPr>
+        <p:blipFill>
+          <a:blip r:embed="rId2"/>
+          <a:stretch>
+            <a:fillRect/>
+          </a:stretch>
+        </p:blipFill>
+        <p:spPr>
+          <a:xfrm>
+            <a:off x="1365227" y="1301750"/>
+            <a:ext cx="9667534" cy="5018046"/>
+          </a:xfrm>
+        </p:spPr>
+      </p:pic>
     </p:spTree>
     <p:extLst>
       <p:ext uri="{BB962C8B-B14F-4D97-AF65-F5344CB8AC3E}">
@@ -5621,78 +5814,39 @@
           <a:chExt cx="0" cy="0"/>
         </a:xfrm>
       </p:grpSpPr>
-      <p:sp>
-        <p:nvSpPr>
-          <p:cNvPr id="2" name="Title 1">
+      <p:pic>
+        <p:nvPicPr>
+          <p:cNvPr id="5" name="Content Placeholder 4">
             <a:extLst>
               <a:ext uri="{FF2B5EF4-FFF2-40B4-BE49-F238E27FC236}">
-                <a16:creationId xmlns:a16="http://schemas.microsoft.com/office/drawing/2014/main" id="{FA4C6B3D-1072-C2D2-EBFE-E33CABE394D1}"/>
+                <a16:creationId xmlns:a16="http://schemas.microsoft.com/office/drawing/2014/main" id="{552B3BF8-0F21-DE33-274D-691E49E24F02}"/>
               </a:ext>
             </a:extLst>
           </p:cNvPr>
-          <p:cNvSpPr>
-            <a:spLocks noGrp="1"/>
-          </p:cNvSpPr>
-          <p:nvPr>
-            <p:ph type="title"/>
-          </p:nvPr>
-        </p:nvSpPr>
-        <p:spPr/>
-        <p:txBody>
-          <a:bodyPr/>
-          <a:lstStyle/>
-          <a:p>
-            <a:r>
-              <a:rPr lang="en-IN" dirty="0">
-                <a:solidFill>
-                  <a:schemeClr val="accent1"/>
-                </a:solidFill>
-              </a:rPr>
-              <a:t>Conclusion</a:t>
-            </a:r>
-          </a:p>
-        </p:txBody>
-      </p:sp>
-      <p:sp>
-        <p:nvSpPr>
-          <p:cNvPr id="3" name="Content Placeholder 2">
-            <a:extLst>
-              <a:ext uri="{FF2B5EF4-FFF2-40B4-BE49-F238E27FC236}">
-                <a16:creationId xmlns:a16="http://schemas.microsoft.com/office/drawing/2014/main" id="{D4974547-DF1B-77BB-E545-9344EDB9AD3F}"/>
-              </a:ext>
-            </a:extLst>
-          </p:cNvPr>
-          <p:cNvSpPr>
-            <a:spLocks noGrp="1"/>
-          </p:cNvSpPr>
+          <p:cNvPicPr>
+            <a:picLocks noGrp="1" noChangeAspect="1"/>
+          </p:cNvPicPr>
           <p:nvPr>
             <p:ph idx="1"/>
           </p:nvPr>
-        </p:nvSpPr>
-        <p:spPr>
-          <a:xfrm>
-            <a:off x="581192" y="1302026"/>
-            <a:ext cx="11029615" cy="4853818"/>
-          </a:xfrm>
-        </p:spPr>
-        <p:txBody>
-          <a:bodyPr>
-            <a:normAutofit/>
-          </a:bodyPr>
-          <a:lstStyle/>
-          <a:p>
-            <a:pPr algn="just"/>
-            <a:r>
-              <a:rPr lang="en-US" sz="3200" dirty="0"/>
-              <a:t>This project demonstrates the power of steganography in securing sensitive data by concealing messages within images. By adopting this technique, cybersecurity can be significantly improved, ensuring that only authorized individuals can retrieve the hidden information. The system is lightweight, efficient, and serves as a powerful tool for confidential communication.</a:t>
-            </a:r>
-          </a:p>
-        </p:txBody>
-      </p:sp>
+        </p:nvPicPr>
+        <p:blipFill>
+          <a:blip r:embed="rId2"/>
+          <a:stretch>
+            <a:fillRect/>
+          </a:stretch>
+        </p:blipFill>
+        <p:spPr>
+          <a:xfrm>
+            <a:off x="861246" y="741313"/>
+            <a:ext cx="10139398" cy="5375373"/>
+          </a:xfrm>
+        </p:spPr>
+      </p:pic>
     </p:spTree>
     <p:extLst>
       <p:ext uri="{BB962C8B-B14F-4D97-AF65-F5344CB8AC3E}">
-        <p14:creationId xmlns:p14="http://schemas.microsoft.com/office/powerpoint/2010/main" val="4233882376"/>
+        <p14:creationId xmlns:p14="http://schemas.microsoft.com/office/powerpoint/2010/main" val="1685711831"/>
       </p:ext>
     </p:extLst>
   </p:cSld>
@@ -5719,70 +5873,39 @@
           <a:chExt cx="0" cy="0"/>
         </a:xfrm>
       </p:grpSpPr>
-      <p:sp>
-        <p:nvSpPr>
-          <p:cNvPr id="2" name="Title 1">
+      <p:pic>
+        <p:nvPicPr>
+          <p:cNvPr id="5" name="Content Placeholder 4">
             <a:extLst>
               <a:ext uri="{FF2B5EF4-FFF2-40B4-BE49-F238E27FC236}">
-                <a16:creationId xmlns:a16="http://schemas.microsoft.com/office/drawing/2014/main" id="{48E9F08C-D61F-627D-C4E5-397E3E84FC45}"/>
+                <a16:creationId xmlns:a16="http://schemas.microsoft.com/office/drawing/2014/main" id="{616DE47A-0041-CAE1-7175-363E00912A6D}"/>
               </a:ext>
             </a:extLst>
           </p:cNvPr>
-          <p:cNvSpPr>
-            <a:spLocks noGrp="1"/>
-          </p:cNvSpPr>
-          <p:nvPr>
-            <p:ph type="title"/>
-          </p:nvPr>
-        </p:nvSpPr>
-        <p:spPr/>
-        <p:txBody>
-          <a:bodyPr/>
-          <a:lstStyle/>
-          <a:p>
-            <a:r>
-              <a:rPr lang="en-IN" dirty="0">
-                <a:solidFill>
-                  <a:schemeClr val="accent1"/>
-                </a:solidFill>
-              </a:rPr>
-              <a:t>GitHub Link</a:t>
-            </a:r>
-          </a:p>
-        </p:txBody>
-      </p:sp>
-      <p:sp>
-        <p:nvSpPr>
-          <p:cNvPr id="3" name="Content Placeholder 2">
-            <a:extLst>
-              <a:ext uri="{FF2B5EF4-FFF2-40B4-BE49-F238E27FC236}">
-                <a16:creationId xmlns:a16="http://schemas.microsoft.com/office/drawing/2014/main" id="{51A299DD-46FA-7866-41D8-C1BFCC2F69DD}"/>
-              </a:ext>
-            </a:extLst>
-          </p:cNvPr>
-          <p:cNvSpPr>
-            <a:spLocks noGrp="1"/>
-          </p:cNvSpPr>
+          <p:cNvPicPr>
+            <a:picLocks noGrp="1" noChangeAspect="1"/>
+          </p:cNvPicPr>
           <p:nvPr>
             <p:ph idx="1"/>
           </p:nvPr>
-        </p:nvSpPr>
-        <p:spPr/>
-        <p:txBody>
-          <a:bodyPr/>
-          <a:lstStyle/>
-          <a:p>
-            <a:r>
-              <a:rPr lang="en-IN" dirty="0"/>
-              <a:t>Make sure that there should be readme file</a:t>
-            </a:r>
-          </a:p>
-        </p:txBody>
-      </p:sp>
+        </p:nvPicPr>
+        <p:blipFill>
+          <a:blip r:embed="rId2"/>
+          <a:stretch>
+            <a:fillRect/>
+          </a:stretch>
+        </p:blipFill>
+        <p:spPr>
+          <a:xfrm>
+            <a:off x="920563" y="884420"/>
+            <a:ext cx="10350874" cy="5090930"/>
+          </a:xfrm>
+        </p:spPr>
+      </p:pic>
     </p:spTree>
     <p:extLst>
       <p:ext uri="{BB962C8B-B14F-4D97-AF65-F5344CB8AC3E}">
-        <p14:creationId xmlns:p14="http://schemas.microsoft.com/office/powerpoint/2010/main" val="2230664768"/>
+        <p14:creationId xmlns:p14="http://schemas.microsoft.com/office/powerpoint/2010/main" val="3229947855"/>
       </p:ext>
     </p:extLst>
   </p:cSld>
@@ -6357,15 +6480,6 @@
 </file>
 
 <file path=customXml/item1.xml><?xml version="1.0" encoding="utf-8"?>
-<?mso-contentType ?>
-<FormTemplates xmlns="http://schemas.microsoft.com/sharepoint/v3/contenttype/forms">
-  <Display>DocumentLibraryForm</Display>
-  <Edit>DocumentLibraryForm</Edit>
-  <New>DocumentLibraryForm</New>
-</FormTemplates>
-</file>
-
-<file path=customXml/item2.xml><?xml version="1.0" encoding="utf-8"?>
 <ct:contentTypeSchema xmlns:ct="http://schemas.microsoft.com/office/2006/metadata/contentType" xmlns:ma="http://schemas.microsoft.com/office/2006/metadata/properties/metaAttributes" ct:_="" ma:_="" ma:contentTypeName="Document" ma:contentTypeID="0x0101007F0268AC5E70984D8FE60B7154176407" ma:contentTypeVersion="15" ma:contentTypeDescription="Create a new document." ma:contentTypeScope="" ma:versionID="104e359103f0f57b1cf9676756e5b944">
   <xsd:schema xmlns:xsd="http://www.w3.org/2001/XMLSchema" xmlns:xs="http://www.w3.org/2001/XMLSchema" xmlns:p="http://schemas.microsoft.com/office/2006/metadata/properties" xmlns:ns3="b30265f8-c5e2-4918-b4a1-b977299ca3e2" xmlns:ns4="fadb41d3-f9cb-40fb-903c-8cacaba95bb5" targetNamespace="http://schemas.microsoft.com/office/2006/metadata/properties" ma:root="true" ma:fieldsID="5615b8f8aa772998bad551f24a33de0e" ns3:_="" ns4:_="">
     <xsd:import namespace="b30265f8-c5e2-4918-b4a1-b977299ca3e2"/>
@@ -6598,6 +6712,15 @@
 </ct:contentTypeSchema>
 </file>
 
+<file path=customXml/item2.xml><?xml version="1.0" encoding="utf-8"?>
+<?mso-contentType ?>
+<FormTemplates xmlns="http://schemas.microsoft.com/sharepoint/v3/contenttype/forms">
+  <Display>DocumentLibraryForm</Display>
+  <Edit>DocumentLibraryForm</Edit>
+  <New>DocumentLibraryForm</New>
+</FormTemplates>
+</file>
+
 <file path=customXml/item3.xml><?xml version="1.0" encoding="utf-8"?>
 <p:properties xmlns:p="http://schemas.microsoft.com/office/2006/metadata/properties" xmlns:xsi="http://www.w3.org/2001/XMLSchema-instance" xmlns:pc="http://schemas.microsoft.com/office/infopath/2007/PartnerControls">
   <documentManagement>
@@ -6607,14 +6730,6 @@
 </file>
 
 <file path=customXml/itemProps1.xml><?xml version="1.0" encoding="utf-8"?>
-<ds:datastoreItem xmlns:ds="http://schemas.openxmlformats.org/officeDocument/2006/customXml" ds:itemID="{927BD4C1-B6B1-4715-ABF9-E660A51A4EA0}">
-  <ds:schemaRefs>
-    <ds:schemaRef ds:uri="http://schemas.microsoft.com/sharepoint/v3/contenttype/forms"/>
-  </ds:schemaRefs>
-</ds:datastoreItem>
-</file>
-
-<file path=customXml/itemProps2.xml><?xml version="1.0" encoding="utf-8"?>
 <ds:datastoreItem xmlns:ds="http://schemas.openxmlformats.org/officeDocument/2006/customXml" ds:itemID="{9DD71778-17EE-4151-88AE-C8F4E8043BD9}">
   <ds:schemaRefs>
     <ds:schemaRef ds:uri="http://schemas.microsoft.com/office/2006/metadata/contentType"/>
@@ -6629,6 +6744,14 @@
     <ds:schemaRef ds:uri="http://purl.org/dc/elements/1.1/"/>
     <ds:schemaRef ds:uri="http://purl.org/dc/terms/"/>
     <ds:schemaRef ds:uri="http://schemas.microsoft.com/internal/obd"/>
+  </ds:schemaRefs>
+</ds:datastoreItem>
+</file>
+
+<file path=customXml/itemProps2.xml><?xml version="1.0" encoding="utf-8"?>
+<ds:datastoreItem xmlns:ds="http://schemas.openxmlformats.org/officeDocument/2006/customXml" ds:itemID="{927BD4C1-B6B1-4715-ABF9-E660A51A4EA0}">
+  <ds:schemaRefs>
+    <ds:schemaRef ds:uri="http://schemas.microsoft.com/sharepoint/v3/contenttype/forms"/>
   </ds:schemaRefs>
 </ds:datastoreItem>
 </file>

--- a/Narendrta_Project_AICTE_PPT.pptx
+++ b/Narendrta_Project_AICTE_PPT.pptx
@@ -4582,9 +4582,12 @@
           <a:lstStyle/>
           <a:p>
             <a:r>
-              <a:rPr lang="en-IN" sz="3200" dirty="0"/>
+              <a:rPr lang="en-IN" sz="3200" dirty="0">
+                <a:hlinkClick r:id="rId2"/>
+              </a:rPr>
               <a:t>https://github.com/NarendraShende/Stegno_Project.git</a:t>
             </a:r>
+            <a:endParaRPr lang="en-IN" sz="3200" dirty="0"/>
           </a:p>
         </p:txBody>
       </p:sp>
@@ -6480,6 +6483,15 @@
 </file>
 
 <file path=customXml/item1.xml><?xml version="1.0" encoding="utf-8"?>
+<?mso-contentType ?>
+<FormTemplates xmlns="http://schemas.microsoft.com/sharepoint/v3/contenttype/forms">
+  <Display>DocumentLibraryForm</Display>
+  <Edit>DocumentLibraryForm</Edit>
+  <New>DocumentLibraryForm</New>
+</FormTemplates>
+</file>
+
+<file path=customXml/item2.xml><?xml version="1.0" encoding="utf-8"?>
 <ct:contentTypeSchema xmlns:ct="http://schemas.microsoft.com/office/2006/metadata/contentType" xmlns:ma="http://schemas.microsoft.com/office/2006/metadata/properties/metaAttributes" ct:_="" ma:_="" ma:contentTypeName="Document" ma:contentTypeID="0x0101007F0268AC5E70984D8FE60B7154176407" ma:contentTypeVersion="15" ma:contentTypeDescription="Create a new document." ma:contentTypeScope="" ma:versionID="104e359103f0f57b1cf9676756e5b944">
   <xsd:schema xmlns:xsd="http://www.w3.org/2001/XMLSchema" xmlns:xs="http://www.w3.org/2001/XMLSchema" xmlns:p="http://schemas.microsoft.com/office/2006/metadata/properties" xmlns:ns3="b30265f8-c5e2-4918-b4a1-b977299ca3e2" xmlns:ns4="fadb41d3-f9cb-40fb-903c-8cacaba95bb5" targetNamespace="http://schemas.microsoft.com/office/2006/metadata/properties" ma:root="true" ma:fieldsID="5615b8f8aa772998bad551f24a33de0e" ns3:_="" ns4:_="">
     <xsd:import namespace="b30265f8-c5e2-4918-b4a1-b977299ca3e2"/>
@@ -6712,15 +6724,6 @@
 </ct:contentTypeSchema>
 </file>
 
-<file path=customXml/item2.xml><?xml version="1.0" encoding="utf-8"?>
-<?mso-contentType ?>
-<FormTemplates xmlns="http://schemas.microsoft.com/sharepoint/v3/contenttype/forms">
-  <Display>DocumentLibraryForm</Display>
-  <Edit>DocumentLibraryForm</Edit>
-  <New>DocumentLibraryForm</New>
-</FormTemplates>
-</file>
-
 <file path=customXml/item3.xml><?xml version="1.0" encoding="utf-8"?>
 <p:properties xmlns:p="http://schemas.microsoft.com/office/2006/metadata/properties" xmlns:xsi="http://www.w3.org/2001/XMLSchema-instance" xmlns:pc="http://schemas.microsoft.com/office/infopath/2007/PartnerControls">
   <documentManagement>
@@ -6730,6 +6733,14 @@
 </file>
 
 <file path=customXml/itemProps1.xml><?xml version="1.0" encoding="utf-8"?>
+<ds:datastoreItem xmlns:ds="http://schemas.openxmlformats.org/officeDocument/2006/customXml" ds:itemID="{927BD4C1-B6B1-4715-ABF9-E660A51A4EA0}">
+  <ds:schemaRefs>
+    <ds:schemaRef ds:uri="http://schemas.microsoft.com/sharepoint/v3/contenttype/forms"/>
+  </ds:schemaRefs>
+</ds:datastoreItem>
+</file>
+
+<file path=customXml/itemProps2.xml><?xml version="1.0" encoding="utf-8"?>
 <ds:datastoreItem xmlns:ds="http://schemas.openxmlformats.org/officeDocument/2006/customXml" ds:itemID="{9DD71778-17EE-4151-88AE-C8F4E8043BD9}">
   <ds:schemaRefs>
     <ds:schemaRef ds:uri="http://schemas.microsoft.com/office/2006/metadata/contentType"/>
@@ -6744,14 +6755,6 @@
     <ds:schemaRef ds:uri="http://purl.org/dc/elements/1.1/"/>
     <ds:schemaRef ds:uri="http://purl.org/dc/terms/"/>
     <ds:schemaRef ds:uri="http://schemas.microsoft.com/internal/obd"/>
-  </ds:schemaRefs>
-</ds:datastoreItem>
-</file>
-
-<file path=customXml/itemProps2.xml><?xml version="1.0" encoding="utf-8"?>
-<ds:datastoreItem xmlns:ds="http://schemas.openxmlformats.org/officeDocument/2006/customXml" ds:itemID="{927BD4C1-B6B1-4715-ABF9-E660A51A4EA0}">
-  <ds:schemaRefs>
-    <ds:schemaRef ds:uri="http://schemas.microsoft.com/sharepoint/v3/contenttype/forms"/>
   </ds:schemaRefs>
 </ds:datastoreItem>
 </file>
